--- a/slides/Unit8_Conditional Statements.pptx
+++ b/slides/Unit8_Conditional Statements.pptx
@@ -197,7 +197,7 @@
 <file path=ppt/revisionInfo.xml><?xml version="1.0" encoding="utf-8"?>
 <p1510:revInfo xmlns:a="http://schemas.openxmlformats.org/drawingml/2006/main" xmlns:r="http://schemas.openxmlformats.org/officeDocument/2006/relationships" xmlns:p1510="http://schemas.microsoft.com/office/powerpoint/2015/10/main">
   <p1510:revLst>
-    <p1510:client id="{FADBC239-02D9-48BB-B086-484DBA479D4F}" v="187" dt="2024-02-06T00:51:16.614"/>
+    <p1510:client id="{FADBC239-02D9-48BB-B086-484DBA479D4F}" v="190" dt="2024-02-09T07:06:32.130"/>
   </p1510:revLst>
 </p1510:revInfo>
 </file>
@@ -3666,7 +3666,7 @@
   <pc:docChgLst>
     <pc:chgData name="Zhao Jin" userId="cd05a825-544c-438a-9ba1-08e63db50b47" providerId="ADAL" clId="{FADBC239-02D9-48BB-B086-484DBA479D4F}"/>
     <pc:docChg chg="undo custSel addSld delSld modSld sldOrd">
-      <pc:chgData name="Zhao Jin" userId="cd05a825-544c-438a-9ba1-08e63db50b47" providerId="ADAL" clId="{FADBC239-02D9-48BB-B086-484DBA479D4F}" dt="2024-02-06T00:54:24.425" v="1890" actId="20577"/>
+      <pc:chgData name="Zhao Jin" userId="cd05a825-544c-438a-9ba1-08e63db50b47" providerId="ADAL" clId="{FADBC239-02D9-48BB-B086-484DBA479D4F}" dt="2024-02-09T07:06:35.248" v="1899" actId="1076"/>
       <pc:docMkLst>
         <pc:docMk/>
       </pc:docMkLst>
@@ -4070,13 +4070,13 @@
         </pc:sldMkLst>
       </pc:sldChg>
       <pc:sldChg chg="addSp delSp modSp mod">
-        <pc:chgData name="Zhao Jin" userId="cd05a825-544c-438a-9ba1-08e63db50b47" providerId="ADAL" clId="{FADBC239-02D9-48BB-B086-484DBA479D4F}" dt="2024-02-05T05:56:46.141" v="1256" actId="1076"/>
+        <pc:chgData name="Zhao Jin" userId="cd05a825-544c-438a-9ba1-08e63db50b47" providerId="ADAL" clId="{FADBC239-02D9-48BB-B086-484DBA479D4F}" dt="2024-02-09T07:05:29.277" v="1894" actId="20577"/>
         <pc:sldMkLst>
           <pc:docMk/>
           <pc:sldMk cId="788021743" sldId="557"/>
         </pc:sldMkLst>
         <pc:spChg chg="mod">
-          <ac:chgData name="Zhao Jin" userId="cd05a825-544c-438a-9ba1-08e63db50b47" providerId="ADAL" clId="{FADBC239-02D9-48BB-B086-484DBA479D4F}" dt="2024-02-05T04:21:46.479" v="389" actId="207"/>
+          <ac:chgData name="Zhao Jin" userId="cd05a825-544c-438a-9ba1-08e63db50b47" providerId="ADAL" clId="{FADBC239-02D9-48BB-B086-484DBA479D4F}" dt="2024-02-09T07:05:29.277" v="1894" actId="20577"/>
           <ac:spMkLst>
             <pc:docMk/>
             <pc:sldMk cId="788021743" sldId="557"/>
@@ -4404,7 +4404,7 @@
         </pc:graphicFrameChg>
       </pc:sldChg>
       <pc:sldChg chg="modSp add mod">
-        <pc:chgData name="Zhao Jin" userId="cd05a825-544c-438a-9ba1-08e63db50b47" providerId="ADAL" clId="{FADBC239-02D9-48BB-B086-484DBA479D4F}" dt="2024-02-06T00:54:24.425" v="1890" actId="20577"/>
+        <pc:chgData name="Zhao Jin" userId="cd05a825-544c-438a-9ba1-08e63db50b47" providerId="ADAL" clId="{FADBC239-02D9-48BB-B086-484DBA479D4F}" dt="2024-02-09T07:06:19.234" v="1895" actId="14734"/>
         <pc:sldMkLst>
           <pc:docMk/>
           <pc:sldMk cId="1744843798" sldId="569"/>
@@ -4426,7 +4426,7 @@
           </ac:spMkLst>
         </pc:spChg>
         <pc:graphicFrameChg chg="modGraphic">
-          <ac:chgData name="Zhao Jin" userId="cd05a825-544c-438a-9ba1-08e63db50b47" providerId="ADAL" clId="{FADBC239-02D9-48BB-B086-484DBA479D4F}" dt="2024-02-05T05:50:48.290" v="1083" actId="113"/>
+          <ac:chgData name="Zhao Jin" userId="cd05a825-544c-438a-9ba1-08e63db50b47" providerId="ADAL" clId="{FADBC239-02D9-48BB-B086-484DBA479D4F}" dt="2024-02-09T07:06:19.234" v="1895" actId="14734"/>
           <ac:graphicFrameMkLst>
             <pc:docMk/>
             <pc:sldMk cId="1744843798" sldId="569"/>
@@ -4443,7 +4443,7 @@
         </pc:graphicFrameChg>
       </pc:sldChg>
       <pc:sldChg chg="addSp delSp modSp add mod">
-        <pc:chgData name="Zhao Jin" userId="cd05a825-544c-438a-9ba1-08e63db50b47" providerId="ADAL" clId="{FADBC239-02D9-48BB-B086-484DBA479D4F}" dt="2024-02-05T05:57:14.653" v="1260" actId="207"/>
+        <pc:chgData name="Zhao Jin" userId="cd05a825-544c-438a-9ba1-08e63db50b47" providerId="ADAL" clId="{FADBC239-02D9-48BB-B086-484DBA479D4F}" dt="2024-02-09T07:06:35.248" v="1899" actId="1076"/>
         <pc:sldMkLst>
           <pc:docMk/>
           <pc:sldMk cId="4181891268" sldId="570"/>
@@ -4552,6 +4552,14 @@
             <ac:spMk id="14338" creationId="{28EB42A0-D69C-12D3-584C-231AB5BC4CAB}"/>
           </ac:spMkLst>
         </pc:spChg>
+        <pc:graphicFrameChg chg="add mod">
+          <ac:chgData name="Zhao Jin" userId="cd05a825-544c-438a-9ba1-08e63db50b47" providerId="ADAL" clId="{FADBC239-02D9-48BB-B086-484DBA479D4F}" dt="2024-02-09T07:06:28.441" v="1897"/>
+          <ac:graphicFrameMkLst>
+            <pc:docMk/>
+            <pc:sldMk cId="4181891268" sldId="570"/>
+            <ac:graphicFrameMk id="2" creationId="{7D759BE0-392C-B75D-5B28-B8F9218A4893}"/>
+          </ac:graphicFrameMkLst>
+        </pc:graphicFrameChg>
         <pc:graphicFrameChg chg="del">
           <ac:chgData name="Zhao Jin" userId="cd05a825-544c-438a-9ba1-08e63db50b47" providerId="ADAL" clId="{FADBC239-02D9-48BB-B086-484DBA479D4F}" dt="2024-02-05T05:52:09.978" v="1090" actId="478"/>
           <ac:graphicFrameMkLst>
@@ -4577,7 +4585,15 @@
           </ac:graphicFrameMkLst>
         </pc:graphicFrameChg>
         <pc:picChg chg="add mod">
-          <ac:chgData name="Zhao Jin" userId="cd05a825-544c-438a-9ba1-08e63db50b47" providerId="ADAL" clId="{FADBC239-02D9-48BB-B086-484DBA479D4F}" dt="2024-02-05T05:55:48.622" v="1224" actId="1076"/>
+          <ac:chgData name="Zhao Jin" userId="cd05a825-544c-438a-9ba1-08e63db50b47" providerId="ADAL" clId="{FADBC239-02D9-48BB-B086-484DBA479D4F}" dt="2024-02-09T07:06:35.248" v="1899" actId="1076"/>
+          <ac:picMkLst>
+            <pc:docMk/>
+            <pc:sldMk cId="4181891268" sldId="570"/>
+            <ac:picMk id="5" creationId="{CE806496-B5B0-AD63-6FA1-A84654B4FF83}"/>
+          </ac:picMkLst>
+        </pc:picChg>
+        <pc:picChg chg="add del mod">
+          <ac:chgData name="Zhao Jin" userId="cd05a825-544c-438a-9ba1-08e63db50b47" providerId="ADAL" clId="{FADBC239-02D9-48BB-B086-484DBA479D4F}" dt="2024-02-09T07:06:27.474" v="1896" actId="478"/>
           <ac:picMkLst>
             <pc:docMk/>
             <pc:sldMk cId="4181891268" sldId="570"/>
@@ -18239,14 +18255,14 @@
           <p:nvPr>
             <p:extLst>
               <p:ext uri="{D42A27DB-BD31-4B8C-83A1-F6EECF244321}">
-                <p14:modId xmlns:p14="http://schemas.microsoft.com/office/powerpoint/2010/main" val="2936814167"/>
+                <p14:modId xmlns:p14="http://schemas.microsoft.com/office/powerpoint/2010/main" val="1154425844"/>
               </p:ext>
             </p:extLst>
           </p:nvPr>
         </p:nvGraphicFramePr>
         <p:xfrm>
           <a:off x="1288729" y="1697534"/>
-          <a:ext cx="4569460" cy="1828800"/>
+          <a:ext cx="3477260" cy="1828800"/>
         </p:xfrm>
         <a:graphic>
           <a:graphicData uri="http://schemas.openxmlformats.org/drawingml/2006/table">
@@ -18255,7 +18271,7 @@
                 <a:tableStyleId>{5940675A-B579-460E-94D1-54222C63F5DA}</a:tableStyleId>
               </a:tblPr>
               <a:tblGrid>
-                <a:gridCol w="2964180">
+                <a:gridCol w="1871980">
                   <a:extLst>
                     <a:ext uri="{9D8B030D-6E8A-4147-A177-3AD203B41FA5}">
                       <a16:colId xmlns:a16="http://schemas.microsoft.com/office/drawing/2014/main" val="2631727857"/>
@@ -19964,10 +19980,10 @@
       </p:sp>
       <p:pic>
         <p:nvPicPr>
-          <p:cNvPr id="22" name="Picture 21">
+          <p:cNvPr id="5" name="Picture 4">
             <a:extLst>
               <a:ext uri="{FF2B5EF4-FFF2-40B4-BE49-F238E27FC236}">
-                <a16:creationId xmlns:a16="http://schemas.microsoft.com/office/drawing/2014/main" id="{64FA0386-D638-C2DA-B09B-2794DF10BA81}"/>
+                <a16:creationId xmlns:a16="http://schemas.microsoft.com/office/drawing/2014/main" id="{CE806496-B5B0-AD63-6FA1-A84654B4FF83}"/>
               </a:ext>
             </a:extLst>
           </p:cNvPr>
@@ -19984,8 +20000,8 @@
         </p:blipFill>
         <p:spPr>
           <a:xfrm>
-            <a:off x="3959843" y="4520014"/>
-            <a:ext cx="4596782" cy="1956986"/>
+            <a:off x="3958369" y="4260834"/>
+            <a:ext cx="3499407" cy="1956986"/>
           </a:xfrm>
           <a:prstGeom prst="rect">
             <a:avLst/>
@@ -20625,7 +20641,7 @@
                 <a:latin typeface="Courier New" panose="02070309020205020404" pitchFamily="49" charset="0"/>
                 <a:cs typeface="Courier New" panose="02070309020205020404" pitchFamily="49" charset="0"/>
               </a:rPr>
-              <a:t>    } </a:t>
+              <a:t>      } </a:t>
             </a:r>
             <a:r>
               <a:rPr lang="en-US" b="1" dirty="0">
